--- a/Powerpoint1.pptx
+++ b/Powerpoint1.pptx
@@ -4480,8 +4480,8 @@
         </p:nvSpPr>
         <p:spPr>
           <a:xfrm>
-            <a:off x="875669" y="1305414"/>
-            <a:ext cx="7368504" cy="6555641"/>
+            <a:off x="875669" y="1453873"/>
+            <a:ext cx="7368504" cy="4708981"/>
           </a:xfrm>
           <a:prstGeom prst="rect">
             <a:avLst/>
@@ -4498,7 +4498,82 @@
               <a:buFont typeface="Arial"/>
               <a:buChar char="•"/>
             </a:pPr>
-            <a:endParaRPr lang="en-US" sz="3000" dirty="0" smtClean="0">
+            <a:r>
+              <a:rPr lang="en-US" sz="2500" dirty="0" err="1" smtClean="0">
+                <a:latin typeface="Times New Roman"/>
+                <a:cs typeface="Times New Roman"/>
+              </a:rPr>
+              <a:t>Abhinav</a:t>
+            </a:r>
+            <a:r>
+              <a:rPr lang="en-US" sz="2500" dirty="0" smtClean="0">
+                <a:latin typeface="Times New Roman"/>
+                <a:cs typeface="Times New Roman"/>
+              </a:rPr>
+              <a:t>: </a:t>
+            </a:r>
+          </a:p>
+          <a:p>
+            <a:pPr marL="914400" lvl="1" indent="-457200">
+              <a:buFont typeface="Courier New"/>
+              <a:buChar char="o"/>
+            </a:pPr>
+            <a:r>
+              <a:rPr lang="en-US" sz="2500" dirty="0" smtClean="0">
+                <a:latin typeface="Times New Roman"/>
+                <a:cs typeface="Times New Roman"/>
+              </a:rPr>
+              <a:t>Scraped </a:t>
+            </a:r>
+            <a:r>
+              <a:rPr lang="en-US" sz="2500" dirty="0" err="1" smtClean="0">
+                <a:latin typeface="Times New Roman"/>
+                <a:cs typeface="Times New Roman"/>
+              </a:rPr>
+              <a:t>m</a:t>
+            </a:r>
+            <a:r>
+              <a:rPr lang="en-US" sz="2500" dirty="0" err="1" smtClean="0">
+                <a:latin typeface="Times New Roman"/>
+                <a:cs typeface="Times New Roman"/>
+              </a:rPr>
+              <a:t>yanimelist.net</a:t>
+            </a:r>
+            <a:r>
+              <a:rPr lang="en-US" sz="2500" dirty="0" smtClean="0">
+                <a:latin typeface="Times New Roman"/>
+                <a:cs typeface="Times New Roman"/>
+              </a:rPr>
+              <a:t> for an answer key to our testing data. </a:t>
+            </a:r>
+          </a:p>
+          <a:p>
+            <a:pPr marL="914400" lvl="1" indent="-457200">
+              <a:buFont typeface="Courier New"/>
+              <a:buChar char="o"/>
+            </a:pPr>
+            <a:r>
+              <a:rPr lang="en-US" sz="2500" dirty="0" smtClean="0">
+                <a:latin typeface="Times New Roman"/>
+                <a:cs typeface="Times New Roman"/>
+              </a:rPr>
+              <a:t>Scraped </a:t>
+            </a:r>
+            <a:r>
+              <a:rPr lang="en-US" sz="2500" dirty="0" err="1" smtClean="0">
+                <a:latin typeface="Times New Roman"/>
+                <a:cs typeface="Times New Roman"/>
+              </a:rPr>
+              <a:t>myanimelist.net’s</a:t>
+            </a:r>
+            <a:r>
+              <a:rPr lang="en-US" sz="2500" dirty="0" smtClean="0">
+                <a:latin typeface="Times New Roman"/>
+                <a:cs typeface="Times New Roman"/>
+              </a:rPr>
+              <a:t> reviews section to use as training data. </a:t>
+            </a:r>
+            <a:endParaRPr lang="en-US" sz="2500" dirty="0" smtClean="0">
               <a:latin typeface="Times New Roman"/>
               <a:cs typeface="Times New Roman"/>
             </a:endParaRPr>
@@ -4509,18 +4584,11 @@
               <a:buChar char="•"/>
             </a:pPr>
             <a:r>
-              <a:rPr lang="en-US" sz="3000" dirty="0" err="1" smtClean="0">
-                <a:latin typeface="Times New Roman"/>
-                <a:cs typeface="Times New Roman"/>
-              </a:rPr>
-              <a:t>Abhinav</a:t>
-            </a:r>
-            <a:r>
-              <a:rPr lang="en-US" sz="3000" dirty="0" smtClean="0">
-                <a:latin typeface="Times New Roman"/>
-                <a:cs typeface="Times New Roman"/>
-              </a:rPr>
-              <a:t>: </a:t>
+              <a:rPr lang="en-US" sz="2500" dirty="0" smtClean="0">
+                <a:latin typeface="Times New Roman"/>
+                <a:cs typeface="Times New Roman"/>
+              </a:rPr>
+              <a:t>Pauline:</a:t>
             </a:r>
           </a:p>
           <a:p>
@@ -4529,32 +4597,25 @@
               <a:buChar char="o"/>
             </a:pPr>
             <a:r>
-              <a:rPr lang="en-US" sz="3000" dirty="0" smtClean="0">
+              <a:rPr lang="en-US" sz="2500" dirty="0" smtClean="0">
                 <a:latin typeface="Times New Roman"/>
                 <a:cs typeface="Times New Roman"/>
               </a:rPr>
               <a:t>Scraped </a:t>
             </a:r>
             <a:r>
-              <a:rPr lang="en-US" sz="3000" dirty="0" err="1" smtClean="0">
-                <a:latin typeface="Times New Roman"/>
-                <a:cs typeface="Times New Roman"/>
-              </a:rPr>
-              <a:t>m</a:t>
-            </a:r>
-            <a:r>
-              <a:rPr lang="en-US" sz="3000" dirty="0" err="1" smtClean="0">
-                <a:latin typeface="Times New Roman"/>
-                <a:cs typeface="Times New Roman"/>
-              </a:rPr>
-              <a:t>yanimelist.net</a:t>
-            </a:r>
-            <a:r>
-              <a:rPr lang="en-US" sz="3000" dirty="0" smtClean="0">
-                <a:latin typeface="Times New Roman"/>
-                <a:cs typeface="Times New Roman"/>
-              </a:rPr>
-              <a:t> for an answer key to our testing data. </a:t>
+              <a:rPr lang="en-US" sz="2500" dirty="0" err="1" smtClean="0">
+                <a:latin typeface="Times New Roman"/>
+                <a:cs typeface="Times New Roman"/>
+              </a:rPr>
+              <a:t>reddit</a:t>
+            </a:r>
+            <a:r>
+              <a:rPr lang="en-US" sz="2500" dirty="0" smtClean="0">
+                <a:latin typeface="Times New Roman"/>
+                <a:cs typeface="Times New Roman"/>
+              </a:rPr>
+              <a:t> threads for testing data. Filtered threads to find relevant threads.</a:t>
             </a:r>
           </a:p>
           <a:p>
@@ -4563,27 +4624,13 @@
               <a:buChar char="o"/>
             </a:pPr>
             <a:r>
-              <a:rPr lang="en-US" sz="3000" dirty="0" smtClean="0">
-                <a:latin typeface="Times New Roman"/>
-                <a:cs typeface="Times New Roman"/>
-              </a:rPr>
-              <a:t>Scraped </a:t>
-            </a:r>
-            <a:r>
-              <a:rPr lang="en-US" sz="3000" dirty="0" err="1" smtClean="0">
-                <a:latin typeface="Times New Roman"/>
-                <a:cs typeface="Times New Roman"/>
-              </a:rPr>
-              <a:t>myanimelist.net’s</a:t>
-            </a:r>
-            <a:r>
-              <a:rPr lang="en-US" sz="3000" dirty="0" smtClean="0">
-                <a:latin typeface="Times New Roman"/>
-                <a:cs typeface="Times New Roman"/>
-              </a:rPr>
-              <a:t> reviews section to use as training data. </a:t>
-            </a:r>
-            <a:endParaRPr lang="en-US" sz="3000" dirty="0" smtClean="0">
+              <a:rPr lang="en-US" sz="2500" dirty="0" smtClean="0">
+                <a:latin typeface="Times New Roman"/>
+                <a:cs typeface="Times New Roman"/>
+              </a:rPr>
+              <a:t>Wrote initial script to calculate word and probabilities for </a:t>
+            </a:r>
+            <a:endParaRPr lang="en-US" sz="2500" dirty="0" smtClean="0">
               <a:latin typeface="Times New Roman"/>
               <a:cs typeface="Times New Roman"/>
             </a:endParaRPr>
@@ -4594,11 +4641,11 @@
               <a:buChar char="•"/>
             </a:pPr>
             <a:r>
-              <a:rPr lang="en-US" sz="3000" dirty="0" smtClean="0">
-                <a:latin typeface="Times New Roman"/>
-                <a:cs typeface="Times New Roman"/>
-              </a:rPr>
-              <a:t>Pauline:</a:t>
+              <a:rPr lang="en-US" sz="2500" dirty="0" smtClean="0">
+                <a:latin typeface="Times New Roman"/>
+                <a:cs typeface="Times New Roman"/>
+              </a:rPr>
+              <a:t>Together:</a:t>
             </a:r>
           </a:p>
           <a:p>
@@ -4607,74 +4654,7 @@
               <a:buChar char="o"/>
             </a:pPr>
             <a:r>
-              <a:rPr lang="en-US" sz="3000" dirty="0" smtClean="0">
-                <a:latin typeface="Times New Roman"/>
-                <a:cs typeface="Times New Roman"/>
-              </a:rPr>
-              <a:t>Scraped </a:t>
-            </a:r>
-            <a:r>
-              <a:rPr lang="en-US" sz="3000" dirty="0" err="1" smtClean="0">
-                <a:latin typeface="Times New Roman"/>
-                <a:cs typeface="Times New Roman"/>
-              </a:rPr>
-              <a:t>reddit</a:t>
-            </a:r>
-            <a:r>
-              <a:rPr lang="en-US" sz="3000" dirty="0" smtClean="0">
-                <a:latin typeface="Times New Roman"/>
-                <a:cs typeface="Times New Roman"/>
-              </a:rPr>
-              <a:t> threads for testing data. Filtered threads to find relevant threads.</a:t>
-            </a:r>
-          </a:p>
-          <a:p>
-            <a:pPr marL="914400" lvl="1" indent="-457200">
-              <a:buFont typeface="Courier New"/>
-              <a:buChar char="o"/>
-            </a:pPr>
-            <a:r>
-              <a:rPr lang="en-US" sz="3000" dirty="0" smtClean="0">
-                <a:latin typeface="Times New Roman"/>
-                <a:cs typeface="Times New Roman"/>
-              </a:rPr>
-              <a:t>Wrote initial script to calculate word and probabilities for </a:t>
-            </a:r>
-            <a:endParaRPr lang="en-US" sz="3000" dirty="0">
-              <a:latin typeface="Times New Roman"/>
-              <a:cs typeface="Times New Roman"/>
-            </a:endParaRPr>
-          </a:p>
-          <a:p>
-            <a:pPr marL="914400" lvl="1" indent="-457200">
-              <a:buFont typeface="Courier New"/>
-              <a:buChar char="o"/>
-            </a:pPr>
-            <a:endParaRPr lang="en-US" sz="3000" dirty="0" smtClean="0">
-              <a:latin typeface="Times New Roman"/>
-              <a:cs typeface="Times New Roman"/>
-            </a:endParaRPr>
-          </a:p>
-          <a:p>
-            <a:pPr marL="457200" indent="-457200">
-              <a:buFont typeface="Arial"/>
-              <a:buChar char="•"/>
-            </a:pPr>
-            <a:r>
-              <a:rPr lang="en-US" sz="3000" dirty="0" smtClean="0">
-                <a:latin typeface="Times New Roman"/>
-                <a:cs typeface="Times New Roman"/>
-              </a:rPr>
-              <a:t>Together:</a:t>
-            </a:r>
-          </a:p>
-          <a:p>
-            <a:pPr marL="914400" lvl="1" indent="-457200">
-              <a:buFont typeface="Courier New"/>
-              <a:buChar char="o"/>
-            </a:pPr>
-            <a:r>
-              <a:rPr lang="en-US" sz="3000" dirty="0" smtClean="0">
+              <a:rPr lang="en-US" sz="2500" dirty="0" smtClean="0">
                 <a:latin typeface="Times New Roman"/>
                 <a:cs typeface="Times New Roman"/>
               </a:rPr>
@@ -4765,7 +4745,7 @@
         <p:spPr>
           <a:xfrm>
             <a:off x="875669" y="744568"/>
-            <a:ext cx="7368504" cy="5478423"/>
+            <a:ext cx="7368504" cy="5863144"/>
           </a:xfrm>
           <a:prstGeom prst="rect">
             <a:avLst/>
@@ -4777,6 +4757,19 @@
             <a:spAutoFit/>
           </a:bodyPr>
           <a:lstStyle/>
+          <a:p>
+            <a:pPr marL="457200" indent="-457200">
+              <a:buFont typeface="Arial"/>
+              <a:buChar char="•"/>
+            </a:pPr>
+            <a:r>
+              <a:rPr lang="en-US" sz="2500" dirty="0" smtClean="0">
+                <a:latin typeface="Times New Roman"/>
+                <a:cs typeface="Times New Roman"/>
+              </a:rPr>
+              <a:t>MAP (Mean Average Precision): ~ 0.25</a:t>
+            </a:r>
+          </a:p>
           <a:p>
             <a:pPr marL="457200" indent="-457200">
               <a:buFont typeface="Arial"/>

--- a/Powerpoint1.pptx
+++ b/Powerpoint1.pptx
@@ -112,6 +112,22 @@
       </a:defRPr>
     </a:lvl9pPr>
   </p:defaultTextStyle>
+  <p:extLst>
+    <p:ext uri="{EFAFB233-063F-42B5-8137-9DF3F51BA10A}">
+      <p15:sldGuideLst xmlns:p15="http://schemas.microsoft.com/office/powerpoint/2012/main">
+        <p15:guide id="1" orient="horz" pos="2160">
+          <p15:clr>
+            <a:srgbClr val="A4A3A4"/>
+          </p15:clr>
+        </p15:guide>
+        <p15:guide id="2" pos="2880">
+          <p15:clr>
+            <a:srgbClr val="A4A3A4"/>
+          </p15:clr>
+        </p15:guide>
+      </p15:sldGuideLst>
+    </p:ext>
+  </p:extLst>
 </p:presentation>
 </file>
 
@@ -197,7 +213,7 @@
           <a:p>
             <a:fld id="{7EE8B1F3-4D6C-AA4F-A0D2-C8CAB26F77DC}" type="datetimeFigureOut">
               <a:rPr lang="en-US" smtClean="0"/>
-              <a:t>4/26/16</a:t>
+              <a:t>4/27/16</a:t>
             </a:fld>
             <a:endParaRPr lang="en-US"/>
           </a:p>
@@ -1032,7 +1048,7 @@
           <a:p>
             <a:fld id="{1BFB3E72-906C-4248-94B6-1F742B310656}" type="datetimeFigureOut">
               <a:rPr lang="en-US" smtClean="0"/>
-              <a:t>4/26/16</a:t>
+              <a:t>4/27/16</a:t>
             </a:fld>
             <a:endParaRPr lang="en-US"/>
           </a:p>
@@ -1202,7 +1218,7 @@
           <a:p>
             <a:fld id="{1BFB3E72-906C-4248-94B6-1F742B310656}" type="datetimeFigureOut">
               <a:rPr lang="en-US" smtClean="0"/>
-              <a:t>4/26/16</a:t>
+              <a:t>4/27/16</a:t>
             </a:fld>
             <a:endParaRPr lang="en-US"/>
           </a:p>
@@ -1382,7 +1398,7 @@
           <a:p>
             <a:fld id="{1BFB3E72-906C-4248-94B6-1F742B310656}" type="datetimeFigureOut">
               <a:rPr lang="en-US" smtClean="0"/>
-              <a:t>4/26/16</a:t>
+              <a:t>4/27/16</a:t>
             </a:fld>
             <a:endParaRPr lang="en-US"/>
           </a:p>
@@ -1552,7 +1568,7 @@
           <a:p>
             <a:fld id="{1BFB3E72-906C-4248-94B6-1F742B310656}" type="datetimeFigureOut">
               <a:rPr lang="en-US" smtClean="0"/>
-              <a:t>4/26/16</a:t>
+              <a:t>4/27/16</a:t>
             </a:fld>
             <a:endParaRPr lang="en-US"/>
           </a:p>
@@ -1798,7 +1814,7 @@
           <a:p>
             <a:fld id="{1BFB3E72-906C-4248-94B6-1F742B310656}" type="datetimeFigureOut">
               <a:rPr lang="en-US" smtClean="0"/>
-              <a:t>4/26/16</a:t>
+              <a:t>4/27/16</a:t>
             </a:fld>
             <a:endParaRPr lang="en-US"/>
           </a:p>
@@ -2086,7 +2102,7 @@
           <a:p>
             <a:fld id="{1BFB3E72-906C-4248-94B6-1F742B310656}" type="datetimeFigureOut">
               <a:rPr lang="en-US" smtClean="0"/>
-              <a:t>4/26/16</a:t>
+              <a:t>4/27/16</a:t>
             </a:fld>
             <a:endParaRPr lang="en-US"/>
           </a:p>
@@ -2508,7 +2524,7 @@
           <a:p>
             <a:fld id="{1BFB3E72-906C-4248-94B6-1F742B310656}" type="datetimeFigureOut">
               <a:rPr lang="en-US" smtClean="0"/>
-              <a:t>4/26/16</a:t>
+              <a:t>4/27/16</a:t>
             </a:fld>
             <a:endParaRPr lang="en-US"/>
           </a:p>
@@ -2626,7 +2642,7 @@
           <a:p>
             <a:fld id="{1BFB3E72-906C-4248-94B6-1F742B310656}" type="datetimeFigureOut">
               <a:rPr lang="en-US" smtClean="0"/>
-              <a:t>4/26/16</a:t>
+              <a:t>4/27/16</a:t>
             </a:fld>
             <a:endParaRPr lang="en-US"/>
           </a:p>
@@ -2721,7 +2737,7 @@
           <a:p>
             <a:fld id="{1BFB3E72-906C-4248-94B6-1F742B310656}" type="datetimeFigureOut">
               <a:rPr lang="en-US" smtClean="0"/>
-              <a:t>4/26/16</a:t>
+              <a:t>4/27/16</a:t>
             </a:fld>
             <a:endParaRPr lang="en-US"/>
           </a:p>
@@ -2998,7 +3014,7 @@
           <a:p>
             <a:fld id="{1BFB3E72-906C-4248-94B6-1F742B310656}" type="datetimeFigureOut">
               <a:rPr lang="en-US" smtClean="0"/>
-              <a:t>4/26/16</a:t>
+              <a:t>4/27/16</a:t>
             </a:fld>
             <a:endParaRPr lang="en-US"/>
           </a:p>
@@ -3251,7 +3267,7 @@
           <a:p>
             <a:fld id="{1BFB3E72-906C-4248-94B6-1F742B310656}" type="datetimeFigureOut">
               <a:rPr lang="en-US" smtClean="0"/>
-              <a:t>4/26/16</a:t>
+              <a:t>4/27/16</a:t>
             </a:fld>
             <a:endParaRPr lang="en-US"/>
           </a:p>
@@ -3470,7 +3486,7 @@
           <a:p>
             <a:fld id="{1BFB3E72-906C-4248-94B6-1F742B310656}" type="datetimeFigureOut">
               <a:rPr lang="en-US" smtClean="0"/>
-              <a:t>4/26/16</a:t>
+              <a:t>4/27/16</a:t>
             </a:fld>
             <a:endParaRPr lang="en-US"/>
           </a:p>
@@ -3946,7 +3962,7 @@
   <p:timing>
     <p:tnLst>
       <p:par>
-        <p:cTn xmlns:p14="http://schemas.microsoft.com/office/powerpoint/2010/main" id="1" dur="indefinite" restart="never" nodeType="tmRoot"/>
+        <p:cTn id="1" dur="indefinite" restart="never" nodeType="tmRoot"/>
       </p:par>
     </p:tnLst>
   </p:timing>
@@ -3997,14 +4013,7 @@
                 <a:latin typeface="Times"/>
                 <a:cs typeface="Times"/>
               </a:rPr>
-              <a:t>The </a:t>
-            </a:r>
-            <a:r>
-              <a:rPr lang="en-US" sz="4500" dirty="0" smtClean="0">
-                <a:latin typeface="Times"/>
-                <a:cs typeface="Times"/>
-              </a:rPr>
-              <a:t>Sentiment</a:t>
+              <a:t>The Sentiment</a:t>
             </a:r>
             <a:endParaRPr lang="en-US" sz="4500" dirty="0">
               <a:latin typeface="Times"/>
@@ -4050,19 +4059,8 @@
                 <a:latin typeface="Times New Roman"/>
                 <a:cs typeface="Times New Roman"/>
               </a:rPr>
-              <a:t>: is usually used to determine whether a word is classified as positive or </a:t>
-            </a:r>
-            <a:r>
-              <a:rPr lang="en-US" sz="3000" dirty="0" smtClean="0">
-                <a:latin typeface="Times New Roman"/>
-                <a:cs typeface="Times New Roman"/>
-              </a:rPr>
-              <a:t>negative</a:t>
-            </a:r>
-            <a:endParaRPr lang="en-US" sz="3000" dirty="0" smtClean="0">
-              <a:latin typeface="Times New Roman"/>
-              <a:cs typeface="Times New Roman"/>
-            </a:endParaRPr>
+              <a:t>: is usually used to determine whether a word is classified as positive or negative</a:t>
+            </a:r>
           </a:p>
           <a:p>
             <a:pPr marL="457200" indent="-457200">
@@ -4090,10 +4088,6 @@
               </a:rPr>
               <a:t> discussions about it. </a:t>
             </a:r>
-            <a:endParaRPr lang="en-US" sz="3000" dirty="0" smtClean="0">
-              <a:latin typeface="Times New Roman"/>
-              <a:cs typeface="Times New Roman"/>
-            </a:endParaRPr>
           </a:p>
           <a:p>
             <a:pPr marL="457200" indent="-457200">
@@ -4130,7 +4124,7 @@
   <p:timing>
     <p:tnLst>
       <p:par>
-        <p:cTn xmlns:p14="http://schemas.microsoft.com/office/powerpoint/2010/main" id="1" dur="indefinite" restart="never" nodeType="tmRoot"/>
+        <p:cTn id="1" dur="indefinite" restart="never" nodeType="tmRoot"/>
       </p:par>
     </p:tnLst>
   </p:timing>
@@ -4221,14 +4215,7 @@
                 <a:latin typeface="Times New Roman"/>
                 <a:cs typeface="Times New Roman"/>
               </a:rPr>
-              <a:t>Na</a:t>
-            </a:r>
-            <a:r>
-              <a:rPr lang="en-US" sz="2500" b="1" dirty="0" smtClean="0">
-                <a:latin typeface="Times New Roman"/>
-                <a:cs typeface="Times New Roman"/>
-              </a:rPr>
-              <a:t>ïve Bayes assumption</a:t>
+              <a:t>Naïve Bayes assumption</a:t>
             </a:r>
             <a:r>
               <a:rPr lang="en-US" sz="2500" dirty="0" smtClean="0">
@@ -4412,7 +4399,7 @@
   <p:timing>
     <p:tnLst>
       <p:par>
-        <p:cTn xmlns:p14="http://schemas.microsoft.com/office/powerpoint/2010/main" id="1" dur="indefinite" restart="never" nodeType="tmRoot"/>
+        <p:cTn id="1" dur="indefinite" restart="never" nodeType="tmRoot"/>
       </p:par>
     </p:tnLst>
   </p:timing>
@@ -4530,14 +4517,7 @@
                 <a:latin typeface="Times New Roman"/>
                 <a:cs typeface="Times New Roman"/>
               </a:rPr>
-              <a:t>m</a:t>
-            </a:r>
-            <a:r>
-              <a:rPr lang="en-US" sz="2500" dirty="0" err="1" smtClean="0">
-                <a:latin typeface="Times New Roman"/>
-                <a:cs typeface="Times New Roman"/>
-              </a:rPr>
-              <a:t>yanimelist.net</a:t>
+              <a:t>myanimelist.net</a:t>
             </a:r>
             <a:r>
               <a:rPr lang="en-US" sz="2500" dirty="0" smtClean="0">
@@ -4573,10 +4553,6 @@
               </a:rPr>
               <a:t> reviews section to use as training data. </a:t>
             </a:r>
-            <a:endParaRPr lang="en-US" sz="2500" dirty="0" smtClean="0">
-              <a:latin typeface="Times New Roman"/>
-              <a:cs typeface="Times New Roman"/>
-            </a:endParaRPr>
           </a:p>
           <a:p>
             <a:pPr marL="457200" indent="-457200">
@@ -4630,10 +4606,6 @@
               </a:rPr>
               <a:t>Wrote initial script to calculate word and probabilities for </a:t>
             </a:r>
-            <a:endParaRPr lang="en-US" sz="2500" dirty="0" smtClean="0">
-              <a:latin typeface="Times New Roman"/>
-              <a:cs typeface="Times New Roman"/>
-            </a:endParaRPr>
           </a:p>
           <a:p>
             <a:pPr marL="457200" indent="-457200">
@@ -4676,7 +4648,7 @@
   <p:timing>
     <p:tnLst>
       <p:par>
-        <p:cTn xmlns:p14="http://schemas.microsoft.com/office/powerpoint/2010/main" id="1" dur="indefinite" restart="never" nodeType="tmRoot"/>
+        <p:cTn id="1" dur="indefinite" restart="never" nodeType="tmRoot"/>
       </p:par>
     </p:tnLst>
   </p:timing>
@@ -4745,7 +4717,7 @@
         <p:spPr>
           <a:xfrm>
             <a:off x="875669" y="744568"/>
-            <a:ext cx="7368504" cy="5863144"/>
+            <a:ext cx="7368504" cy="6017032"/>
           </a:xfrm>
           <a:prstGeom prst="rect">
             <a:avLst/>
@@ -4763,11 +4735,25 @@
               <a:buChar char="•"/>
             </a:pPr>
             <a:r>
-              <a:rPr lang="en-US" sz="2500" dirty="0" smtClean="0">
-                <a:latin typeface="Times New Roman"/>
-                <a:cs typeface="Times New Roman"/>
-              </a:rPr>
-              <a:t>MAP (Mean Average Precision): ~ 0.25</a:t>
+              <a:rPr lang="fi-FI" sz="2400" dirty="0" smtClean="0">
+                <a:latin typeface="Times New Roman"/>
+                <a:cs typeface="Times New Roman"/>
+              </a:rPr>
+              <a:t>F-</a:t>
+            </a:r>
+            <a:r>
+              <a:rPr lang="fi-FI" sz="2400" dirty="0" err="1" smtClean="0">
+                <a:latin typeface="Times New Roman"/>
+                <a:cs typeface="Times New Roman"/>
+              </a:rPr>
+              <a:t>measure</a:t>
+            </a:r>
+            <a:r>
+              <a:rPr lang="fi-FI" sz="2400" dirty="0" smtClean="0">
+                <a:latin typeface="Times New Roman"/>
+                <a:cs typeface="Times New Roman"/>
+              </a:rPr>
+              <a:t>: 0.829787234</a:t>
             </a:r>
           </a:p>
           <a:p>
@@ -4776,16 +4762,19 @@
               <a:buChar char="•"/>
             </a:pPr>
             <a:r>
-              <a:rPr lang="en-US" sz="2500" dirty="0" smtClean="0">
-                <a:latin typeface="Times New Roman"/>
-                <a:cs typeface="Times New Roman"/>
-              </a:rPr>
-              <a:t>Problems we encountered:</a:t>
-            </a:r>
-            <a:endParaRPr lang="en-US" sz="2500" dirty="0" smtClean="0">
-              <a:latin typeface="Times New Roman"/>
-              <a:cs typeface="Times New Roman"/>
-            </a:endParaRPr>
+              <a:rPr lang="en-US" sz="2400" dirty="0" smtClean="0">
+                <a:latin typeface="Times New Roman"/>
+                <a:cs typeface="Times New Roman"/>
+              </a:rPr>
+              <a:t>Problems </a:t>
+            </a:r>
+            <a:r>
+              <a:rPr lang="en-US" sz="2400" dirty="0" smtClean="0">
+                <a:latin typeface="Times New Roman"/>
+                <a:cs typeface="Times New Roman"/>
+              </a:rPr>
+              <a:t>we encountered:</a:t>
+            </a:r>
           </a:p>
           <a:p>
             <a:pPr marL="914400" lvl="1" indent="-457200">
@@ -4793,7 +4782,7 @@
               <a:buChar char="o"/>
             </a:pPr>
             <a:r>
-              <a:rPr lang="en-US" sz="2500" dirty="0" smtClean="0">
+              <a:rPr lang="en-US" sz="2400" dirty="0" smtClean="0">
                 <a:latin typeface="Times New Roman"/>
                 <a:cs typeface="Times New Roman"/>
               </a:rPr>
@@ -4806,21 +4795,21 @@
               <a:buChar char="o"/>
             </a:pPr>
             <a:r>
-              <a:rPr lang="en-US" sz="2500" dirty="0" smtClean="0">
+              <a:rPr lang="en-US" sz="2400" dirty="0" smtClean="0">
                 <a:latin typeface="Times New Roman"/>
                 <a:cs typeface="Times New Roman"/>
               </a:rPr>
               <a:t>The </a:t>
             </a:r>
             <a:r>
-              <a:rPr lang="en-US" sz="2500" dirty="0" err="1" smtClean="0">
+              <a:rPr lang="en-US" sz="2400" dirty="0" err="1" smtClean="0">
                 <a:latin typeface="Times New Roman"/>
                 <a:cs typeface="Times New Roman"/>
               </a:rPr>
               <a:t>Naives</a:t>
             </a:r>
             <a:r>
-              <a:rPr lang="en-US" sz="2500" dirty="0" smtClean="0">
+              <a:rPr lang="en-US" sz="2400" dirty="0" smtClean="0">
                 <a:latin typeface="Times New Roman"/>
                 <a:cs typeface="Times New Roman"/>
               </a:rPr>
@@ -4833,7 +4822,7 @@
               <a:buChar char="o"/>
             </a:pPr>
             <a:r>
-              <a:rPr lang="en-US" sz="2500" dirty="0" smtClean="0">
+              <a:rPr lang="en-US" sz="2400" dirty="0" smtClean="0">
                 <a:latin typeface="Times New Roman"/>
                 <a:cs typeface="Times New Roman"/>
               </a:rPr>
@@ -4846,69 +4835,69 @@
               <a:buChar char="o"/>
             </a:pPr>
             <a:r>
-              <a:rPr lang="en-US" sz="2500" dirty="0" smtClean="0">
+              <a:rPr lang="en-US" sz="2400" dirty="0" smtClean="0">
                 <a:latin typeface="Times New Roman"/>
                 <a:cs typeface="Times New Roman"/>
               </a:rPr>
               <a:t>Querying </a:t>
             </a:r>
             <a:r>
-              <a:rPr lang="en-US" sz="2500" dirty="0" err="1" smtClean="0">
+              <a:rPr lang="en-US" sz="2400" dirty="0" err="1" smtClean="0">
                 <a:latin typeface="Times New Roman"/>
                 <a:cs typeface="Times New Roman"/>
               </a:rPr>
               <a:t>reddit</a:t>
             </a:r>
             <a:r>
-              <a:rPr lang="en-US" sz="2500" dirty="0" smtClean="0">
+              <a:rPr lang="en-US" sz="2400" dirty="0" smtClean="0">
                 <a:latin typeface="Times New Roman"/>
                 <a:cs typeface="Times New Roman"/>
               </a:rPr>
               <a:t> by the anime’s name and in the </a:t>
             </a:r>
             <a:r>
-              <a:rPr lang="en-US" sz="2500" dirty="0" err="1" smtClean="0">
+              <a:rPr lang="en-US" sz="2400" dirty="0" err="1" smtClean="0">
                 <a:latin typeface="Times New Roman"/>
                 <a:cs typeface="Times New Roman"/>
               </a:rPr>
               <a:t>subreddit</a:t>
             </a:r>
             <a:r>
-              <a:rPr lang="en-US" sz="2500" dirty="0" smtClean="0">
+              <a:rPr lang="en-US" sz="2400" dirty="0" smtClean="0">
                 <a:latin typeface="Times New Roman"/>
                 <a:cs typeface="Times New Roman"/>
               </a:rPr>
               <a:t> doesn’t account for any outliers since we used </a:t>
             </a:r>
             <a:r>
-              <a:rPr lang="en-US" sz="2500" dirty="0" err="1" smtClean="0">
+              <a:rPr lang="en-US" sz="2400" dirty="0" err="1" smtClean="0">
                 <a:latin typeface="Times New Roman"/>
                 <a:cs typeface="Times New Roman"/>
               </a:rPr>
               <a:t>reddit’s</a:t>
             </a:r>
             <a:r>
-              <a:rPr lang="en-US" sz="2500" dirty="0" smtClean="0">
+              <a:rPr lang="en-US" sz="2400" dirty="0" smtClean="0">
                 <a:latin typeface="Times New Roman"/>
                 <a:cs typeface="Times New Roman"/>
               </a:rPr>
               <a:t> </a:t>
             </a:r>
             <a:r>
-              <a:rPr lang="en-US" sz="2500" dirty="0" err="1" smtClean="0">
+              <a:rPr lang="en-US" sz="2400" dirty="0" err="1" smtClean="0">
                 <a:latin typeface="Times New Roman"/>
                 <a:cs typeface="Times New Roman"/>
               </a:rPr>
               <a:t>api</a:t>
             </a:r>
             <a:r>
-              <a:rPr lang="en-US" sz="2500" dirty="0" smtClean="0">
+              <a:rPr lang="en-US" sz="2400" dirty="0" smtClean="0">
                 <a:latin typeface="Times New Roman"/>
                 <a:cs typeface="Times New Roman"/>
               </a:rPr>
               <a:t> that returns the most “significant” discussion</a:t>
             </a:r>
-            <a:endParaRPr lang="en-US" sz="2500" dirty="0">
+            <a:endParaRPr lang="en-US" sz="2400" dirty="0">
               <a:latin typeface="Times New Roman"/>
               <a:cs typeface="Times New Roman"/>
             </a:endParaRPr>
@@ -4919,7 +4908,7 @@
               <a:buChar char="•"/>
             </a:pPr>
             <a:r>
-              <a:rPr lang="en-US" sz="2500" dirty="0" smtClean="0">
+              <a:rPr lang="en-US" sz="2400" dirty="0" smtClean="0">
                 <a:latin typeface="Times New Roman"/>
                 <a:cs typeface="Times New Roman"/>
               </a:rPr>
@@ -4932,18 +4921,78 @@
               <a:buChar char="o"/>
             </a:pPr>
             <a:r>
-              <a:rPr lang="en-US" sz="2500" dirty="0" smtClean="0">
-                <a:latin typeface="Times New Roman"/>
-                <a:cs typeface="Times New Roman"/>
-              </a:rPr>
-              <a:t>Use NLTK bi-/tri-gram detection to add pairs/triplets to our vocabulary and corpus to include more context sensitivity </a:t>
-            </a:r>
-            <a:endParaRPr lang="en-US" sz="2500" dirty="0" smtClean="0">
-              <a:latin typeface="Times New Roman"/>
-              <a:cs typeface="Times New Roman"/>
-            </a:endParaRPr>
-          </a:p>
-          <a:p>
+              <a:rPr lang="en-US" sz="2400" dirty="0" smtClean="0">
+                <a:latin typeface="Times New Roman"/>
+                <a:cs typeface="Times New Roman"/>
+              </a:rPr>
+              <a:t>Use NLTK bi-/</a:t>
+            </a:r>
+            <a:r>
+              <a:rPr lang="en-US" sz="2400" dirty="0" smtClean="0">
+                <a:latin typeface="Times New Roman"/>
+                <a:cs typeface="Times New Roman"/>
+              </a:rPr>
+              <a:t>tri-gram</a:t>
+            </a:r>
+          </a:p>
+          <a:p>
+            <a:pPr marL="914400" lvl="1" indent="-457200">
+              <a:buFont typeface="Courier New"/>
+              <a:buChar char="o"/>
+            </a:pPr>
+            <a:r>
+              <a:rPr lang="en-US" sz="2400" dirty="0" smtClean="0">
+                <a:latin typeface="Times New Roman"/>
+                <a:cs typeface="Times New Roman"/>
+              </a:rPr>
+              <a:t>Create our own corpus from anime ratings</a:t>
+            </a:r>
+          </a:p>
+          <a:p>
+            <a:pPr marL="914400" lvl="1" indent="-457200">
+              <a:buFont typeface="Courier New"/>
+              <a:buChar char="o"/>
+            </a:pPr>
+            <a:r>
+              <a:rPr lang="en-US" sz="2400" dirty="0" smtClean="0">
+                <a:latin typeface="Times New Roman"/>
+                <a:cs typeface="Times New Roman"/>
+              </a:rPr>
+              <a:t>Use NOT_ prepending</a:t>
+            </a:r>
+          </a:p>
+          <a:p>
+            <a:pPr marL="914400" lvl="1" indent="-457200">
+              <a:buFont typeface="Courier New"/>
+              <a:buChar char="o"/>
+            </a:pPr>
+            <a:r>
+              <a:rPr lang="en-US" sz="2400" dirty="0" smtClean="0">
+                <a:latin typeface="Times New Roman"/>
+                <a:cs typeface="Times New Roman"/>
+              </a:rPr>
+              <a:t>Filtering </a:t>
+            </a:r>
+            <a:r>
+              <a:rPr lang="en-US" sz="2400" dirty="0" err="1" smtClean="0">
+                <a:latin typeface="Times New Roman"/>
+                <a:cs typeface="Times New Roman"/>
+              </a:rPr>
+              <a:t>reddit</a:t>
+            </a:r>
+            <a:r>
+              <a:rPr lang="en-US" sz="2400" dirty="0" smtClean="0">
+                <a:latin typeface="Times New Roman"/>
+                <a:cs typeface="Times New Roman"/>
+              </a:rPr>
+              <a:t> discussions</a:t>
+            </a:r>
+          </a:p>
+          <a:p>
+            <a:pPr marL="914400" lvl="1" indent="-457200">
+              <a:buFont typeface="Courier New"/>
+              <a:buChar char="o"/>
+            </a:pPr>
             <a:endParaRPr lang="en-US" sz="2500" dirty="0" smtClean="0">
               <a:latin typeface="Times New Roman"/>
               <a:cs typeface="Times New Roman"/>
@@ -4964,7 +5013,7 @@
   <p:timing>
     <p:tnLst>
       <p:par>
-        <p:cTn xmlns:p14="http://schemas.microsoft.com/office/powerpoint/2010/main" id="1" dur="indefinite" restart="never" nodeType="tmRoot"/>
+        <p:cTn id="1" dur="indefinite" restart="never" nodeType="tmRoot"/>
       </p:par>
     </p:tnLst>
   </p:timing>
@@ -5098,14 +5147,7 @@
                 <a:latin typeface="Times New Roman"/>
                 <a:cs typeface="Times New Roman"/>
               </a:rPr>
-              <a:t>, Daniel and James H. Martin. Speech and Language Processing. Prentice Hall, New Jersey, 2000</a:t>
-            </a:r>
-            <a:r>
-              <a:rPr lang="en-US" sz="3000" dirty="0" smtClean="0">
-                <a:latin typeface="Times New Roman"/>
-                <a:cs typeface="Times New Roman"/>
-              </a:rPr>
-              <a:t>.</a:t>
+              <a:t>, Daniel and James H. Martin. Speech and Language Processing. Prentice Hall, New Jersey, 2000.</a:t>
             </a:r>
           </a:p>
           <a:p>
@@ -5181,7 +5223,7 @@
   <p:timing>
     <p:tnLst>
       <p:par>
-        <p:cTn xmlns:p14="http://schemas.microsoft.com/office/powerpoint/2010/main" id="1" dur="indefinite" restart="never" nodeType="tmRoot"/>
+        <p:cTn id="1" dur="indefinite" restart="never" nodeType="tmRoot"/>
       </p:par>
     </p:tnLst>
   </p:timing>
